--- a/Presentation/Presentation_Project.pptx
+++ b/Presentation/Presentation_Project.pptx
@@ -3972,6 +3972,36 @@
           </a:p>
         </p:txBody>
       </p:sp>
+      <p:pic>
+        <p:nvPicPr>
+          <p:cNvPr id="8" name="Picture 7" descr="A black screen with green lines and white squares&#10;&#10;AI-generated content may be incorrect.">
+            <a:extLst>
+              <a:ext uri="{FF2B5EF4-FFF2-40B4-BE49-F238E27FC236}">
+                <a16:creationId xmlns:a16="http://schemas.microsoft.com/office/drawing/2014/main" id="{9FF508C3-B98F-5D78-2753-4B9CF1A51308}"/>
+              </a:ext>
+            </a:extLst>
+          </p:cNvPr>
+          <p:cNvPicPr>
+            <a:picLocks noChangeAspect="1"/>
+          </p:cNvPicPr>
+          <p:nvPr/>
+        </p:nvPicPr>
+        <p:blipFill>
+          <a:blip r:embed="rId3"/>
+          <a:stretch>
+            <a:fillRect/>
+          </a:stretch>
+        </p:blipFill>
+        <p:spPr>
+          <a:xfrm>
+            <a:off x="5885112" y="3668891"/>
+            <a:ext cx="8268854" cy="4206703"/>
+          </a:xfrm>
+          <a:prstGeom prst="rect">
+            <a:avLst/>
+          </a:prstGeom>
+        </p:spPr>
+      </p:pic>
     </p:spTree>
   </p:cSld>
   <p:clrMapOvr>
